--- a/Course Day 7/Webmonk Course (day - 7).pptx
+++ b/Course Day 7/Webmonk Course (day - 7).pptx
@@ -265,7 +265,7 @@
   </p:defaultTextStyle>
   <p:extLst>
     <p:ext uri="http://customooxmlschemas.google.com/">
-      <go:slidesCustomData xmlns:go="http://customooxmlschemas.google.com/" r:id="rId23" roundtripDataSignature="AMtx7mh0P9fcR5Ey0xjbeqVUdQC/ysCkhQ=="/>
+      <go:slidesCustomData xmlns:go="http://customooxmlschemas.google.com/" r:id="rId23" roundtripDataSignature="AMtx7migKSPXCIysTyj8XygzQTKeayG+gA=="/>
     </p:ext>
   </p:extLst>
 </p:presentation>
@@ -21121,66 +21121,9 @@
           </a:p>
         </p:txBody>
       </p:sp>
-      <p:sp>
-        <p:nvSpPr>
-          <p:cNvPr id="171" name="Google Shape;171;ga561df5dd9_1_12"/>
-          <p:cNvSpPr txBox="1"/>
-          <p:nvPr/>
-        </p:nvSpPr>
-        <p:spPr>
-          <a:xfrm>
-            <a:off x="2231136" y="2868706"/>
-            <a:ext cx="7729800" cy="3324300"/>
-          </a:xfrm>
-          <a:prstGeom prst="rect">
-            <a:avLst/>
-          </a:prstGeom>
-          <a:noFill/>
-          <a:ln>
-            <a:noFill/>
-          </a:ln>
-        </p:spPr>
-        <p:txBody>
-          <a:bodyPr anchorCtr="0" anchor="t" bIns="91425" lIns="91425" spcFirstLastPara="1" rIns="91425" wrap="square" tIns="91425">
-            <a:noAutofit/>
-          </a:bodyPr>
-          <a:lstStyle/>
-          <a:p>
-            <a:pPr indent="0" lvl="0" marL="457200" marR="0" rtl="0" algn="l">
-              <a:lnSpc>
-                <a:spcPct val="100000"/>
-              </a:lnSpc>
-              <a:spcBef>
-                <a:spcPts val="1000"/>
-              </a:spcBef>
-              <a:spcAft>
-                <a:spcPts val="0"/>
-              </a:spcAft>
-              <a:buClr>
-                <a:srgbClr val="000000"/>
-              </a:buClr>
-              <a:buSzPts val="1800"/>
-              <a:buFont typeface="Arial"/>
-              <a:buNone/>
-            </a:pPr>
-            <a:r>
-              <a:t/>
-            </a:r>
-            <a:endParaRPr b="0" i="0" sz="1800" u="none" cap="none" strike="noStrike">
-              <a:solidFill>
-                <a:srgbClr val="000000"/>
-              </a:solidFill>
-              <a:latin typeface="Arial"/>
-              <a:ea typeface="Arial"/>
-              <a:cs typeface="Arial"/>
-              <a:sym typeface="Arial"/>
-            </a:endParaRPr>
-          </a:p>
-        </p:txBody>
-      </p:sp>
       <p:pic>
         <p:nvPicPr>
-          <p:cNvPr id="172" name="Google Shape;172;ga561df5dd9_1_12"/>
+          <p:cNvPr id="171" name="Google Shape;171;ga561df5dd9_1_12"/>
           <p:cNvPicPr preferRelativeResize="0"/>
           <p:nvPr/>
         </p:nvPicPr>
@@ -21193,8 +21136,8 @@
         </p:blipFill>
         <p:spPr>
           <a:xfrm>
-            <a:off x="3285813" y="2504525"/>
-            <a:ext cx="5620375" cy="3572875"/>
+            <a:off x="3062638" y="2336350"/>
+            <a:ext cx="6066775" cy="3856650"/>
           </a:xfrm>
           <a:prstGeom prst="rect">
             <a:avLst/>
@@ -21205,6 +21148,52 @@
           </a:ln>
         </p:spPr>
       </p:pic>
+      <p:sp>
+        <p:nvSpPr>
+          <p:cNvPr id="172" name="Google Shape;172;ga561df5dd9_1_12"/>
+          <p:cNvSpPr txBox="1"/>
+          <p:nvPr/>
+        </p:nvSpPr>
+        <p:spPr>
+          <a:xfrm>
+            <a:off x="6046725" y="6169375"/>
+            <a:ext cx="811200" cy="400200"/>
+          </a:xfrm>
+          <a:prstGeom prst="rect">
+            <a:avLst/>
+          </a:prstGeom>
+          <a:noFill/>
+          <a:ln>
+            <a:noFill/>
+          </a:ln>
+        </p:spPr>
+        <p:txBody>
+          <a:bodyPr anchorCtr="0" anchor="t" bIns="91425" lIns="91425" spcFirstLastPara="1" rIns="91425" wrap="square" tIns="91425">
+            <a:spAutoFit/>
+          </a:bodyPr>
+          <a:lstStyle/>
+          <a:p>
+            <a:pPr indent="0" lvl="0" marL="0" rtl="0" algn="l">
+              <a:spcBef>
+                <a:spcPts val="0"/>
+              </a:spcBef>
+              <a:spcAft>
+                <a:spcPts val="0"/>
+              </a:spcAft>
+              <a:buNone/>
+            </a:pPr>
+            <a:r>
+              <a:t/>
+            </a:r>
+            <a:endParaRPr>
+              <a:latin typeface="Gill Sans"/>
+              <a:ea typeface="Gill Sans"/>
+              <a:cs typeface="Gill Sans"/>
+              <a:sym typeface="Gill Sans"/>
+            </a:endParaRPr>
+          </a:p>
+        </p:txBody>
+      </p:sp>
     </p:spTree>
   </p:cSld>
   <p:clrMapOvr>

--- a/Course Day 7/Webmonk Course (day - 7).pptx
+++ b/Course Day 7/Webmonk Course (day - 7).pptx
@@ -21066,8 +21066,17 @@
               <a:buNone/>
             </a:pPr>
             <a:r>
+              <a:rPr lang="en-IN" u="sng">
+                <a:solidFill>
+                  <a:schemeClr val="hlink"/>
+                </a:solidFill>
+                <a:hlinkClick r:id="rId3"/>
+              </a:rPr>
+              <a:t>EVENT LOOP</a:t>
+            </a:r>
+            <a:r>
               <a:rPr lang="en-IN"/>
-              <a:t>EVENT LOOP EXPLAINED</a:t>
+              <a:t> EXPLAINED</a:t>
             </a:r>
             <a:endParaRPr/>
           </a:p>
@@ -21128,7 +21137,7 @@
           <p:nvPr/>
         </p:nvPicPr>
         <p:blipFill rotWithShape="1">
-          <a:blip r:embed="rId3">
+          <a:blip r:embed="rId4">
             <a:alphaModFix/>
           </a:blip>
           <a:srcRect b="0" l="0" r="0" t="0"/>
@@ -22573,7 +22582,7 @@
                   <a:srgbClr val="414141"/>
                 </a:solidFill>
               </a:rPr>
-              <a:t>* it can be accessed using: const fs = require('fs/promises');</a:t>
+              <a:t>* it can be accessed using: const fs = require('fs/promises'); or const fs = require('fs').promises;</a:t>
             </a:r>
             <a:endParaRPr>
               <a:solidFill>
@@ -22925,8 +22934,8 @@
         </p:nvSpPr>
         <p:spPr>
           <a:xfrm>
-            <a:off x="808476" y="2612273"/>
-            <a:ext cx="4494900" cy="2193900"/>
+            <a:off x="808475" y="2612275"/>
+            <a:ext cx="5008800" cy="2193900"/>
           </a:xfrm>
           <a:prstGeom prst="rect">
             <a:avLst/>
@@ -22977,7 +22986,7 @@
             </a:pPr>
             <a:r>
               <a:rPr lang="en-IN" sz="1800"/>
-              <a:t>* uses an event-driven, non-blocking I/O model.</a:t>
+              <a:t>* uses an event-driven, non-blocking(asynchronous) I/O model.</a:t>
             </a:r>
             <a:endParaRPr sz="1800"/>
           </a:p>
@@ -24525,9 +24534,9 @@
 </file>
 
 <file path=ppt/theme/theme1.xml><?xml version="1.0" encoding="utf-8"?>
-<a:theme xmlns:a="http://schemas.openxmlformats.org/drawingml/2006/main" xmlns:r="http://schemas.openxmlformats.org/officeDocument/2006/relationships" name="Office Theme">
+<a:theme xmlns:a="http://schemas.openxmlformats.org/drawingml/2006/main" xmlns:r="http://schemas.openxmlformats.org/officeDocument/2006/relationships" name="Parcel">
   <a:themeElements>
-    <a:clrScheme name="Office">
+    <a:clrScheme name="Parcel">
       <a:dk1>
         <a:srgbClr val="000000"/>
       </a:dk1>
@@ -24535,34 +24544,34 @@
         <a:srgbClr val="FFFFFF"/>
       </a:lt1>
       <a:dk2>
-        <a:srgbClr val="44546A"/>
+        <a:srgbClr val="5E5E5E"/>
       </a:dk2>
       <a:lt2>
-        <a:srgbClr val="E7E6E6"/>
+        <a:srgbClr val="DDDDDD"/>
       </a:lt2>
       <a:accent1>
-        <a:srgbClr val="4472C4"/>
+        <a:srgbClr val="A6B727"/>
       </a:accent1>
       <a:accent2>
-        <a:srgbClr val="ED7D31"/>
+        <a:srgbClr val="418AB3"/>
       </a:accent2>
       <a:accent3>
-        <a:srgbClr val="A5A5A5"/>
+        <a:srgbClr val="F69200"/>
       </a:accent3>
       <a:accent4>
-        <a:srgbClr val="FFC000"/>
+        <a:srgbClr val="838383"/>
       </a:accent4>
       <a:accent5>
-        <a:srgbClr val="5B9BD5"/>
+        <a:srgbClr val="FEC306"/>
       </a:accent5>
       <a:accent6>
-        <a:srgbClr val="70AD47"/>
+        <a:srgbClr val="DF5327"/>
       </a:accent6>
       <a:hlink>
-        <a:srgbClr val="0563C1"/>
+        <a:srgbClr val="F59E00"/>
       </a:hlink>
       <a:folHlink>
-        <a:srgbClr val="954F72"/>
+        <a:srgbClr val="B2B2B2"/>
       </a:folHlink>
     </a:clrScheme>
     <a:fontScheme name="Office">
@@ -24804,9 +24813,9 @@
 </file>
 
 <file path=ppt/theme/theme2.xml><?xml version="1.0" encoding="utf-8"?>
-<a:theme xmlns:a="http://schemas.openxmlformats.org/drawingml/2006/main" xmlns:r="http://schemas.openxmlformats.org/officeDocument/2006/relationships" name="Parcel">
+<a:theme xmlns:a="http://schemas.openxmlformats.org/drawingml/2006/main" xmlns:r="http://schemas.openxmlformats.org/officeDocument/2006/relationships" name="Office Theme">
   <a:themeElements>
-    <a:clrScheme name="Parcel">
+    <a:clrScheme name="Office">
       <a:dk1>
         <a:srgbClr val="000000"/>
       </a:dk1>
@@ -24814,34 +24823,34 @@
         <a:srgbClr val="FFFFFF"/>
       </a:lt1>
       <a:dk2>
-        <a:srgbClr val="5E5E5E"/>
+        <a:srgbClr val="44546A"/>
       </a:dk2>
       <a:lt2>
-        <a:srgbClr val="DDDDDD"/>
+        <a:srgbClr val="E7E6E6"/>
       </a:lt2>
       <a:accent1>
-        <a:srgbClr val="A6B727"/>
+        <a:srgbClr val="4472C4"/>
       </a:accent1>
       <a:accent2>
-        <a:srgbClr val="418AB3"/>
+        <a:srgbClr val="ED7D31"/>
       </a:accent2>
       <a:accent3>
-        <a:srgbClr val="F69200"/>
+        <a:srgbClr val="A5A5A5"/>
       </a:accent3>
       <a:accent4>
-        <a:srgbClr val="838383"/>
+        <a:srgbClr val="FFC000"/>
       </a:accent4>
       <a:accent5>
-        <a:srgbClr val="FEC306"/>
+        <a:srgbClr val="5B9BD5"/>
       </a:accent5>
       <a:accent6>
-        <a:srgbClr val="DF5327"/>
+        <a:srgbClr val="70AD47"/>
       </a:accent6>
       <a:hlink>
-        <a:srgbClr val="F59E00"/>
+        <a:srgbClr val="0563C1"/>
       </a:hlink>
       <a:folHlink>
-        <a:srgbClr val="B2B2B2"/>
+        <a:srgbClr val="954F72"/>
       </a:folHlink>
     </a:clrScheme>
     <a:fontScheme name="Office">
